--- a/NetAgent/src/main/resources/Downloads/AgentActivity.pptx
+++ b/NetAgent/src/main/resources/Downloads/AgentActivity.pptx
@@ -14,6 +14,7 @@
     <p:sldId xmlns:r="http://schemas.openxmlformats.org/officeDocument/2006/relationships" id="327" r:id="rId31"/>
     <p:sldId xmlns:r="http://schemas.openxmlformats.org/officeDocument/2006/relationships" id="338" r:id="rId35"/>
     <p:sldId xmlns:r="http://schemas.openxmlformats.org/officeDocument/2006/relationships" id="349" r:id="rId39"/>
+    <p:sldId xmlns:r="http://schemas.openxmlformats.org/officeDocument/2006/relationships" id="360" r:id="rId43"/>
   </p:sldIdLst>
   <p:sldSz cx="12191695" cy="6858000"/>
   <p:notesSz cx="7772400" cy="10058400"/>
@@ -439,7 +440,7 @@
                 </a:solidFill>
                 <a:latin typeface="Arial"/>
               </a:rPr>
-              <a:t>5/30/2023 10:10 PM</a:t>
+              <a:t>8/24/2023 11:00 PM</a:t>
             </a:r>
           </a:p>
         </p:txBody>
@@ -725,7 +726,7 @@
                 </a:solidFill>
                 <a:latin typeface="Arial"/>
               </a:rPr>
-              <a:t>5/30/2023 10:10 PM</a:t>
+              <a:t>8/24/2023 11:00 PM</a:t>
             </a:r>
           </a:p>
         </p:txBody>
@@ -1011,7 +1012,7 @@
                 </a:solidFill>
                 <a:latin typeface="Arial"/>
               </a:rPr>
-              <a:t>5/30/2023 10:10 PM</a:t>
+              <a:t>8/24/2023 11:00 PM</a:t>
             </a:r>
           </a:p>
         </p:txBody>
@@ -1297,7 +1298,7 @@
                 </a:solidFill>
                 <a:latin typeface="Arial"/>
               </a:rPr>
-              <a:t>5/30/2023 10:10 PM</a:t>
+              <a:t>8/24/2023 11:00 PM</a:t>
             </a:r>
           </a:p>
         </p:txBody>
@@ -1583,7 +1584,7 @@
                 </a:solidFill>
                 <a:latin typeface="Arial"/>
               </a:rPr>
-              <a:t>5/30/2023 10:10 PM</a:t>
+              <a:t>8/24/2023 11:00 PM</a:t>
             </a:r>
           </a:p>
         </p:txBody>
@@ -1869,7 +1870,7 @@
                 </a:solidFill>
                 <a:latin typeface="Arial"/>
               </a:rPr>
-              <a:t>5/30/2023 10:10 PM</a:t>
+              <a:t>8/24/2023 11:00 PM</a:t>
             </a:r>
           </a:p>
         </p:txBody>
@@ -2155,7 +2156,7 @@
                 </a:solidFill>
                 <a:latin typeface="Arial"/>
               </a:rPr>
-              <a:t>5/30/2023 10:10 PM</a:t>
+              <a:t>8/24/2023 11:00 PM</a:t>
             </a:r>
           </a:p>
         </p:txBody>
@@ -2441,7 +2442,7 @@
                 </a:solidFill>
                 <a:latin typeface="Arial"/>
               </a:rPr>
-              <a:t>5/30/2023 10:10 PM</a:t>
+              <a:t>8/24/2023 11:00 PM</a:t>
             </a:r>
           </a:p>
         </p:txBody>
@@ -2689,7 +2690,7 @@
         <p:spPr>
           <a:xfrm xmlns:a="http://schemas.openxmlformats.org/drawingml/2006/main">
             <a:off x="248278" y="752478"/>
-            <a:ext cx="7016054" cy="4819647"/>
+            <a:ext cx="7016054" cy="5212080"/>
           </a:xfrm>
           <a:prstGeom xmlns:a="http://schemas.openxmlformats.org/drawingml/2006/main" prst="rect"/>
           <a:noFill xmlns:a="http://schemas.openxmlformats.org/drawingml/2006/main"/>
@@ -2727,7 +2728,7 @@
                 </a:solidFill>
                 <a:latin typeface="Arial"/>
               </a:rPr>
-              <a:t>5/30/2023 10:10 PM</a:t>
+              <a:t>8/24/2023 11:00 PM</a:t>
             </a:r>
           </a:p>
         </p:txBody>
@@ -2824,6 +2825,292 @@
       <p:sp>
         <p:nvSpPr>
           <p:cNvPr id="358" name=""/>
+          <p:cNvSpPr/>
+          <p:nvPr/>
+        </p:nvSpPr>
+        <p:spPr>
+          <a:xfrm xmlns:a="http://schemas.openxmlformats.org/drawingml/2006/main">
+            <a:off x="228600" y="6265619"/>
+            <a:ext cx="6175757" cy="128020"/>
+          </a:xfrm>
+          <a:prstGeom xmlns:a="http://schemas.openxmlformats.org/drawingml/2006/main" prst="rect"/>
+          <a:noFill xmlns:a="http://schemas.openxmlformats.org/drawingml/2006/main"/>
+          <a:ln xmlns:a="http://schemas.openxmlformats.org/drawingml/2006/main">
+            <a:noFill/>
+          </a:ln>
+        </p:spPr>
+        <p:txBody>
+          <a:bodyPr xmlns:a="http://schemas.openxmlformats.org/drawingml/2006/main" vert="horz" lIns="0" tIns="0" rIns="0" bIns="0" anchor="t" anchorCtr="0"/>
+          <a:lstStyle xmlns:a="http://schemas.openxmlformats.org/drawingml/2006/main"/>
+          <a:p xmlns:a="http://schemas.openxmlformats.org/drawingml/2006/main">
+            <a:pPr marL="0" marR="0" indent="0" algn="l" rtl="0"/>
+            <a:r>
+              <a:rPr lang="en-US" sz="900" b="0" i="0" u="none" strike="noStrike" dirty="0">
+                <a:solidFill>
+                  <a:srgbClr val="000000"/>
+                </a:solidFill>
+                <a:latin typeface="Arial"/>
+              </a:rPr>
+              <a:t> ©2011-2023 MNX Global Logistics. All rights reserved.</a:t>
+            </a:r>
+          </a:p>
+        </p:txBody>
+      </p:sp>
+    </p:spTree>
+  </p:cSld>
+  <p:clrMapOvr>
+    <a:masterClrMapping xmlns:a="http://schemas.openxmlformats.org/drawingml/2006/main"/>
+  </p:clrMapOvr>
+</p:sld>
+</file>
+
+<file path=ppt/slides/slidea.xml><?xml version="1.0" encoding="utf-8"?>
+<p:sld xmlns:p="http://schemas.openxmlformats.org/presentationml/2006/main">
+  <p:cSld>
+    <p:spTree>
+      <p:nvGrpSpPr>
+        <p:cNvPr id="359" name=""/>
+        <p:cNvGrpSpPr/>
+        <p:nvPr/>
+      </p:nvGrpSpPr>
+      <p:grpSpPr>
+        <a:xfrm xmlns:a="http://schemas.openxmlformats.org/drawingml/2006/main"/>
+      </p:grpSpPr>
+      <p:pic>
+        <p:nvPicPr>
+          <p:cNvPr id="361" name=""/>
+          <p:cNvPicPr>
+            <a:picLocks xmlns:a="http://schemas.openxmlformats.org/drawingml/2006/main" noChangeAspect="1"/>
+          </p:cNvPicPr>
+          <p:nvPr/>
+        </p:nvPicPr>
+        <p:blipFill>
+          <a:blip xmlns:r="http://schemas.openxmlformats.org/officeDocument/2006/relationships" xmlns:a="http://schemas.openxmlformats.org/drawingml/2006/main" r:embed="rId45"/>
+          <a:srcRect xmlns:a="http://schemas.openxmlformats.org/drawingml/2006/main" l="0" t="0" r="0" b="0"/>
+          <a:stretch xmlns:a="http://schemas.openxmlformats.org/drawingml/2006/main">
+            <a:fillRect/>
+          </a:stretch>
+        </p:blipFill>
+        <p:spPr>
+          <a:xfrm xmlns:a="http://schemas.openxmlformats.org/drawingml/2006/main">
+            <a:off x="228600" y="228600"/>
+            <a:ext cx="1280160" cy="440329"/>
+          </a:xfrm>
+          <a:prstGeom xmlns:a="http://schemas.openxmlformats.org/drawingml/2006/main" prst="rect"/>
+          <a:noFill xmlns:a="http://schemas.openxmlformats.org/drawingml/2006/main"/>
+          <a:ln xmlns:a="http://schemas.openxmlformats.org/drawingml/2006/main">
+            <a:noFill/>
+          </a:ln>
+        </p:spPr>
+      </p:pic>
+      <p:sp>
+        <p:nvSpPr>
+          <p:cNvPr id="362" name=""/>
+          <p:cNvSpPr/>
+          <p:nvPr/>
+        </p:nvSpPr>
+        <p:spPr>
+          <a:xfrm xmlns:a="http://schemas.openxmlformats.org/drawingml/2006/main">
+            <a:off x="2188817" y="326029"/>
+            <a:ext cx="3012664" cy="255020"/>
+          </a:xfrm>
+          <a:prstGeom xmlns:a="http://schemas.openxmlformats.org/drawingml/2006/main" prst="rect"/>
+          <a:noFill xmlns:a="http://schemas.openxmlformats.org/drawingml/2006/main"/>
+          <a:ln xmlns:a="http://schemas.openxmlformats.org/drawingml/2006/main">
+            <a:noFill/>
+          </a:ln>
+        </p:spPr>
+        <p:txBody>
+          <a:bodyPr xmlns:a="http://schemas.openxmlformats.org/drawingml/2006/main" vert="horz" lIns="25400" tIns="25400" rIns="25400" bIns="25400" anchor="t" anchorCtr="0"/>
+          <a:lstStyle xmlns:a="http://schemas.openxmlformats.org/drawingml/2006/main"/>
+          <a:p xmlns:a="http://schemas.openxmlformats.org/drawingml/2006/main">
+            <a:pPr marL="0" marR="0" indent="0" algn="ctr" rtl="0"/>
+            <a:r>
+              <a:rPr lang="en-US" sz="1400" b="1" i="0" u="none" strike="noStrike" dirty="0">
+                <a:solidFill>
+                  <a:srgbClr val="000000"/>
+                </a:solidFill>
+                <a:latin typeface="Arial"/>
+              </a:rPr>
+              <a:t>Agent Activity Report</a:t>
+            </a:r>
+          </a:p>
+        </p:txBody>
+      </p:sp>
+      <p:sp>
+        <p:nvSpPr>
+          <p:cNvPr id="363" name=""/>
+          <p:cNvSpPr/>
+          <p:nvPr/>
+        </p:nvSpPr>
+        <p:spPr>
+          <a:xfrm xmlns:a="http://schemas.openxmlformats.org/drawingml/2006/main" flipV="0">
+            <a:off x="248278" y="717036"/>
+            <a:ext cx="7016054" cy="0"/>
+          </a:xfrm>
+          <a:prstGeom xmlns:a="http://schemas.openxmlformats.org/drawingml/2006/main" prst="line"/>
+          <a:noFill xmlns:a="http://schemas.openxmlformats.org/drawingml/2006/main"/>
+          <a:ln xmlns:a="http://schemas.openxmlformats.org/drawingml/2006/main" w="12700">
+            <a:solidFill>
+              <a:srgbClr val="000000"/>
+            </a:solidFill>
+            <a:prstDash val="dot"/>
+          </a:ln>
+        </p:spPr>
+      </p:sp>
+      <p:pic>
+        <p:nvPicPr>
+          <p:cNvPr id="364" name=""/>
+          <p:cNvPicPr>
+            <a:picLocks xmlns:a="http://schemas.openxmlformats.org/drawingml/2006/main" noChangeAspect="1"/>
+          </p:cNvPicPr>
+          <p:nvPr/>
+        </p:nvPicPr>
+        <p:blipFill>
+          <a:blip xmlns:r="http://schemas.openxmlformats.org/officeDocument/2006/relationships" xmlns:a="http://schemas.openxmlformats.org/drawingml/2006/main" r:embed="rId46"/>
+          <a:srcRect xmlns:a="http://schemas.openxmlformats.org/drawingml/2006/main" l="0" t="0" r="0" b="0"/>
+          <a:stretch xmlns:a="http://schemas.openxmlformats.org/drawingml/2006/main">
+            <a:fillRect/>
+          </a:stretch>
+        </p:blipFill>
+        <p:spPr>
+          <a:xfrm xmlns:a="http://schemas.openxmlformats.org/drawingml/2006/main">
+            <a:off x="248278" y="752478"/>
+            <a:ext cx="7016054" cy="3950965"/>
+          </a:xfrm>
+          <a:prstGeom xmlns:a="http://schemas.openxmlformats.org/drawingml/2006/main" prst="rect"/>
+          <a:noFill xmlns:a="http://schemas.openxmlformats.org/drawingml/2006/main"/>
+          <a:ln xmlns:a="http://schemas.openxmlformats.org/drawingml/2006/main">
+            <a:noFill/>
+          </a:ln>
+        </p:spPr>
+      </p:pic>
+      <p:sp>
+        <p:nvSpPr>
+          <p:cNvPr id="365" name=""/>
+          <p:cNvSpPr/>
+          <p:nvPr/>
+        </p:nvSpPr>
+        <p:spPr>
+          <a:xfrm xmlns:a="http://schemas.openxmlformats.org/drawingml/2006/main">
+            <a:off x="256846" y="6482856"/>
+            <a:ext cx="1819263" cy="146544"/>
+          </a:xfrm>
+          <a:prstGeom xmlns:a="http://schemas.openxmlformats.org/drawingml/2006/main" prst="rect"/>
+          <a:noFill xmlns:a="http://schemas.openxmlformats.org/drawingml/2006/main"/>
+          <a:ln xmlns:a="http://schemas.openxmlformats.org/drawingml/2006/main">
+            <a:noFill/>
+          </a:ln>
+        </p:spPr>
+        <p:txBody>
+          <a:bodyPr xmlns:a="http://schemas.openxmlformats.org/drawingml/2006/main" vert="horz" lIns="0" tIns="0" rIns="0" bIns="0" anchor="t" anchorCtr="0"/>
+          <a:lstStyle xmlns:a="http://schemas.openxmlformats.org/drawingml/2006/main"/>
+          <a:p xmlns:a="http://schemas.openxmlformats.org/drawingml/2006/main">
+            <a:pPr marL="0" marR="0" indent="0" algn="l" rtl="0"/>
+            <a:r>
+              <a:rPr lang="en-US" sz="900" b="0" i="0" u="none" strike="noStrike" dirty="0">
+                <a:solidFill>
+                  <a:srgbClr val="000000"/>
+                </a:solidFill>
+                <a:latin typeface="Arial"/>
+              </a:rPr>
+              <a:t>8/24/2023 11:00 PM</a:t>
+            </a:r>
+          </a:p>
+        </p:txBody>
+      </p:sp>
+      <p:sp>
+        <p:nvSpPr>
+          <p:cNvPr id="366" name=""/>
+          <p:cNvSpPr/>
+          <p:nvPr/>
+        </p:nvSpPr>
+        <p:spPr>
+          <a:xfrm xmlns:a="http://schemas.openxmlformats.org/drawingml/2006/main">
+            <a:off x="4730283" y="6490483"/>
+            <a:ext cx="2343552" cy="138918"/>
+          </a:xfrm>
+          <a:prstGeom xmlns:a="http://schemas.openxmlformats.org/drawingml/2006/main" prst="rect"/>
+          <a:noFill xmlns:a="http://schemas.openxmlformats.org/drawingml/2006/main"/>
+          <a:ln xmlns:a="http://schemas.openxmlformats.org/drawingml/2006/main">
+            <a:noFill/>
+          </a:ln>
+        </p:spPr>
+        <p:txBody>
+          <a:bodyPr xmlns:a="http://schemas.openxmlformats.org/drawingml/2006/main" vert="horz" lIns="0" tIns="0" rIns="0" bIns="0" anchor="t" anchorCtr="0"/>
+          <a:lstStyle xmlns:a="http://schemas.openxmlformats.org/drawingml/2006/main"/>
+          <a:p xmlns:a="http://schemas.openxmlformats.org/drawingml/2006/main">
+            <a:pPr marL="0" marR="0" indent="0" algn="r" rtl="0"/>
+            <a:r>
+              <a:rPr lang="en-US" sz="900" b="0" i="0" u="none" strike="noStrike" dirty="0">
+                <a:solidFill>
+                  <a:srgbClr val="000000"/>
+                </a:solidFill>
+                <a:latin typeface="Arial"/>
+              </a:rPr>
+              <a:t>Print User : selenium.automation</a:t>
+            </a:r>
+          </a:p>
+        </p:txBody>
+      </p:sp>
+      <p:sp>
+        <p:nvSpPr>
+          <p:cNvPr id="367" name=""/>
+          <p:cNvSpPr/>
+          <p:nvPr/>
+        </p:nvSpPr>
+        <p:spPr>
+          <a:xfrm xmlns:a="http://schemas.openxmlformats.org/drawingml/2006/main" flipV="0">
+            <a:off x="228600" y="6473969"/>
+            <a:ext cx="6667677" cy="0"/>
+          </a:xfrm>
+          <a:prstGeom xmlns:a="http://schemas.openxmlformats.org/drawingml/2006/main" prst="line"/>
+          <a:noFill xmlns:a="http://schemas.openxmlformats.org/drawingml/2006/main"/>
+          <a:ln xmlns:a="http://schemas.openxmlformats.org/drawingml/2006/main" w="12700">
+            <a:solidFill>
+              <a:srgbClr val="000000"/>
+            </a:solidFill>
+            <a:prstDash val="solid"/>
+          </a:ln>
+        </p:spPr>
+      </p:sp>
+      <p:sp>
+        <p:nvSpPr>
+          <p:cNvPr id="368" name=""/>
+          <p:cNvSpPr/>
+          <p:nvPr/>
+        </p:nvSpPr>
+        <p:spPr>
+          <a:xfrm xmlns:a="http://schemas.openxmlformats.org/drawingml/2006/main">
+            <a:off x="228600" y="6134426"/>
+            <a:ext cx="6175757" cy="128020"/>
+          </a:xfrm>
+          <a:prstGeom xmlns:a="http://schemas.openxmlformats.org/drawingml/2006/main" prst="rect"/>
+          <a:noFill xmlns:a="http://schemas.openxmlformats.org/drawingml/2006/main"/>
+          <a:ln xmlns:a="http://schemas.openxmlformats.org/drawingml/2006/main">
+            <a:noFill/>
+          </a:ln>
+        </p:spPr>
+        <p:txBody>
+          <a:bodyPr xmlns:a="http://schemas.openxmlformats.org/drawingml/2006/main" vert="horz" lIns="0" tIns="0" rIns="0" bIns="0" anchor="t" anchorCtr="0"/>
+          <a:lstStyle xmlns:a="http://schemas.openxmlformats.org/drawingml/2006/main"/>
+          <a:p xmlns:a="http://schemas.openxmlformats.org/drawingml/2006/main">
+            <a:pPr marL="0" marR="0" indent="0" algn="l" rtl="0"/>
+            <a:r>
+              <a:rPr lang="en-US" sz="900" b="0" i="0" u="none" strike="noStrike" dirty="0">
+                <a:solidFill>
+                  <a:srgbClr val="FF0000"/>
+                </a:solidFill>
+                <a:latin typeface="Arial"/>
+              </a:rPr>
+              <a:t>*Data provided should be considered CONFIDENTIAL and PROPRIETARY*</a:t>
+            </a:r>
+          </a:p>
+        </p:txBody>
+      </p:sp>
+      <p:sp>
+        <p:nvSpPr>
+          <p:cNvPr id="369" name=""/>
           <p:cNvSpPr/>
           <p:nvPr/>
         </p:nvSpPr>
